--- a/hmi/dev/ui/us/pics/NSPanel - US.pptx
+++ b/hmi/dev/ui/us/pics/NSPanel - US.pptx
@@ -9,6 +9,7 @@
     <p:sldId id="263" r:id="rId3"/>
     <p:sldId id="260" r:id="rId4"/>
     <p:sldId id="262" r:id="rId5"/>
+    <p:sldId id="264" r:id="rId6"/>
   </p:sldIdLst>
   <p:sldSz cx="3048000" cy="4572000"/>
   <p:notesSz cx="6858000" cy="9144000"/>
@@ -118,13 +119,195 @@
 <file path=ppt/revisionInfo.xml><?xml version="1.0" encoding="utf-8"?>
 <p1510:revInfo xmlns:a="http://schemas.openxmlformats.org/drawingml/2006/main" xmlns:r="http://schemas.openxmlformats.org/officeDocument/2006/relationships" xmlns:p1510="http://schemas.microsoft.com/office/powerpoint/2015/10/main">
   <p1510:revLst>
-    <p1510:client id="{FD80C778-99A6-48B0-9013-6975E1DA3DE2}" v="7" dt="2024-01-20T13:49:35.906"/>
+    <p1510:client id="{65DCA9AB-23CC-4005-B2E1-B3F15F4F7245}" v="4" dt="2024-07-09T07:44:06.852"/>
   </p1510:revLst>
 </p1510:revInfo>
 </file>
 
 <file path=ppt/changesInfos/changesInfo1.xml><?xml version="1.0" encoding="utf-8"?>
 <pc:chgInfo xmlns:a="http://schemas.openxmlformats.org/drawingml/2006/main" xmlns:r="http://schemas.openxmlformats.org/officeDocument/2006/relationships" xmlns:ac="http://schemas.microsoft.com/office/drawing/2013/main/command" xmlns:pc="http://schemas.microsoft.com/office/powerpoint/2013/main/command">
+  <pc:docChgLst>
+    <pc:chgData name="Edward Firmo" userId="a172d909a3b48d48" providerId="LiveId" clId="{65DCA9AB-23CC-4005-B2E1-B3F15F4F7245}"/>
+    <pc:docChg chg="addSld modSld">
+      <pc:chgData name="Edward Firmo" userId="a172d909a3b48d48" providerId="LiveId" clId="{65DCA9AB-23CC-4005-B2E1-B3F15F4F7245}" dt="2024-07-12T08:53:22.716" v="9" actId="207"/>
+      <pc:docMkLst>
+        <pc:docMk/>
+      </pc:docMkLst>
+      <pc:sldChg chg="modSp mod">
+        <pc:chgData name="Edward Firmo" userId="a172d909a3b48d48" providerId="LiveId" clId="{65DCA9AB-23CC-4005-B2E1-B3F15F4F7245}" dt="2024-07-12T08:53:09.640" v="7" actId="207"/>
+        <pc:sldMkLst>
+          <pc:docMk/>
+          <pc:sldMk cId="3861062762" sldId="260"/>
+        </pc:sldMkLst>
+        <pc:spChg chg="mod">
+          <ac:chgData name="Edward Firmo" userId="a172d909a3b48d48" providerId="LiveId" clId="{65DCA9AB-23CC-4005-B2E1-B3F15F4F7245}" dt="2024-07-12T08:53:09.640" v="7" actId="207"/>
+          <ac:spMkLst>
+            <pc:docMk/>
+            <pc:sldMk cId="3861062762" sldId="260"/>
+            <ac:spMk id="2" creationId="{390AE322-5457-0548-7BCF-9BF2DB5AA5EE}"/>
+          </ac:spMkLst>
+        </pc:spChg>
+        <pc:spChg chg="mod">
+          <ac:chgData name="Edward Firmo" userId="a172d909a3b48d48" providerId="LiveId" clId="{65DCA9AB-23CC-4005-B2E1-B3F15F4F7245}" dt="2024-07-12T08:53:09.640" v="7" actId="207"/>
+          <ac:spMkLst>
+            <pc:docMk/>
+            <pc:sldMk cId="3861062762" sldId="260"/>
+            <ac:spMk id="3" creationId="{0B0391D2-9F72-CFC2-0625-E27D2ED14352}"/>
+          </ac:spMkLst>
+        </pc:spChg>
+        <pc:spChg chg="mod">
+          <ac:chgData name="Edward Firmo" userId="a172d909a3b48d48" providerId="LiveId" clId="{65DCA9AB-23CC-4005-B2E1-B3F15F4F7245}" dt="2024-07-12T08:53:09.640" v="7" actId="207"/>
+          <ac:spMkLst>
+            <pc:docMk/>
+            <pc:sldMk cId="3861062762" sldId="260"/>
+            <ac:spMk id="5" creationId="{8BCB7F83-6F41-508A-150C-D48759CDBF10}"/>
+          </ac:spMkLst>
+        </pc:spChg>
+        <pc:spChg chg="mod">
+          <ac:chgData name="Edward Firmo" userId="a172d909a3b48d48" providerId="LiveId" clId="{65DCA9AB-23CC-4005-B2E1-B3F15F4F7245}" dt="2024-07-12T08:53:09.640" v="7" actId="207"/>
+          <ac:spMkLst>
+            <pc:docMk/>
+            <pc:sldMk cId="3861062762" sldId="260"/>
+            <ac:spMk id="6" creationId="{722E42D9-015C-9F6A-F883-B1D1840444D0}"/>
+          </ac:spMkLst>
+        </pc:spChg>
+        <pc:spChg chg="mod">
+          <ac:chgData name="Edward Firmo" userId="a172d909a3b48d48" providerId="LiveId" clId="{65DCA9AB-23CC-4005-B2E1-B3F15F4F7245}" dt="2024-07-12T08:53:09.640" v="7" actId="207"/>
+          <ac:spMkLst>
+            <pc:docMk/>
+            <pc:sldMk cId="3861062762" sldId="260"/>
+            <ac:spMk id="7" creationId="{A4F49CA8-3850-88E4-8471-6AF4BC9DDB52}"/>
+          </ac:spMkLst>
+        </pc:spChg>
+        <pc:spChg chg="mod">
+          <ac:chgData name="Edward Firmo" userId="a172d909a3b48d48" providerId="LiveId" clId="{65DCA9AB-23CC-4005-B2E1-B3F15F4F7245}" dt="2024-07-12T08:53:09.640" v="7" actId="207"/>
+          <ac:spMkLst>
+            <pc:docMk/>
+            <pc:sldMk cId="3861062762" sldId="260"/>
+            <ac:spMk id="8" creationId="{C834FA7B-63B8-43AA-6836-61B86D79B263}"/>
+          </ac:spMkLst>
+        </pc:spChg>
+        <pc:spChg chg="mod">
+          <ac:chgData name="Edward Firmo" userId="a172d909a3b48d48" providerId="LiveId" clId="{65DCA9AB-23CC-4005-B2E1-B3F15F4F7245}" dt="2024-07-12T08:53:09.640" v="7" actId="207"/>
+          <ac:spMkLst>
+            <pc:docMk/>
+            <pc:sldMk cId="3861062762" sldId="260"/>
+            <ac:spMk id="9" creationId="{DED73328-3F31-4EB9-5967-270B6B0B7ED7}"/>
+          </ac:spMkLst>
+        </pc:spChg>
+        <pc:spChg chg="mod">
+          <ac:chgData name="Edward Firmo" userId="a172d909a3b48d48" providerId="LiveId" clId="{65DCA9AB-23CC-4005-B2E1-B3F15F4F7245}" dt="2024-07-12T08:53:09.640" v="7" actId="207"/>
+          <ac:spMkLst>
+            <pc:docMk/>
+            <pc:sldMk cId="3861062762" sldId="260"/>
+            <ac:spMk id="10" creationId="{D06409C1-F888-5597-7F61-02C772BFAD8E}"/>
+          </ac:spMkLst>
+        </pc:spChg>
+      </pc:sldChg>
+      <pc:sldChg chg="modSp mod">
+        <pc:chgData name="Edward Firmo" userId="a172d909a3b48d48" providerId="LiveId" clId="{65DCA9AB-23CC-4005-B2E1-B3F15F4F7245}" dt="2024-07-12T08:53:22.716" v="9" actId="207"/>
+        <pc:sldMkLst>
+          <pc:docMk/>
+          <pc:sldMk cId="182044153" sldId="262"/>
+        </pc:sldMkLst>
+        <pc:spChg chg="mod">
+          <ac:chgData name="Edward Firmo" userId="a172d909a3b48d48" providerId="LiveId" clId="{65DCA9AB-23CC-4005-B2E1-B3F15F4F7245}" dt="2024-07-12T08:53:22.716" v="9" actId="207"/>
+          <ac:spMkLst>
+            <pc:docMk/>
+            <pc:sldMk cId="182044153" sldId="262"/>
+            <ac:spMk id="2" creationId="{390AE322-5457-0548-7BCF-9BF2DB5AA5EE}"/>
+          </ac:spMkLst>
+        </pc:spChg>
+        <pc:spChg chg="mod">
+          <ac:chgData name="Edward Firmo" userId="a172d909a3b48d48" providerId="LiveId" clId="{65DCA9AB-23CC-4005-B2E1-B3F15F4F7245}" dt="2024-07-12T08:53:22.716" v="9" actId="207"/>
+          <ac:spMkLst>
+            <pc:docMk/>
+            <pc:sldMk cId="182044153" sldId="262"/>
+            <ac:spMk id="3" creationId="{0B0391D2-9F72-CFC2-0625-E27D2ED14352}"/>
+          </ac:spMkLst>
+        </pc:spChg>
+        <pc:spChg chg="mod">
+          <ac:chgData name="Edward Firmo" userId="a172d909a3b48d48" providerId="LiveId" clId="{65DCA9AB-23CC-4005-B2E1-B3F15F4F7245}" dt="2024-07-12T08:53:22.716" v="9" actId="207"/>
+          <ac:spMkLst>
+            <pc:docMk/>
+            <pc:sldMk cId="182044153" sldId="262"/>
+            <ac:spMk id="5" creationId="{8BCB7F83-6F41-508A-150C-D48759CDBF10}"/>
+          </ac:spMkLst>
+        </pc:spChg>
+        <pc:spChg chg="mod">
+          <ac:chgData name="Edward Firmo" userId="a172d909a3b48d48" providerId="LiveId" clId="{65DCA9AB-23CC-4005-B2E1-B3F15F4F7245}" dt="2024-07-12T08:53:22.716" v="9" actId="207"/>
+          <ac:spMkLst>
+            <pc:docMk/>
+            <pc:sldMk cId="182044153" sldId="262"/>
+            <ac:spMk id="6" creationId="{722E42D9-015C-9F6A-F883-B1D1840444D0}"/>
+          </ac:spMkLst>
+        </pc:spChg>
+        <pc:spChg chg="mod">
+          <ac:chgData name="Edward Firmo" userId="a172d909a3b48d48" providerId="LiveId" clId="{65DCA9AB-23CC-4005-B2E1-B3F15F4F7245}" dt="2024-07-12T08:53:22.716" v="9" actId="207"/>
+          <ac:spMkLst>
+            <pc:docMk/>
+            <pc:sldMk cId="182044153" sldId="262"/>
+            <ac:spMk id="7" creationId="{A4F49CA8-3850-88E4-8471-6AF4BC9DDB52}"/>
+          </ac:spMkLst>
+        </pc:spChg>
+        <pc:spChg chg="mod">
+          <ac:chgData name="Edward Firmo" userId="a172d909a3b48d48" providerId="LiveId" clId="{65DCA9AB-23CC-4005-B2E1-B3F15F4F7245}" dt="2024-07-12T08:53:22.716" v="9" actId="207"/>
+          <ac:spMkLst>
+            <pc:docMk/>
+            <pc:sldMk cId="182044153" sldId="262"/>
+            <ac:spMk id="8" creationId="{C834FA7B-63B8-43AA-6836-61B86D79B263}"/>
+          </ac:spMkLst>
+        </pc:spChg>
+        <pc:spChg chg="mod">
+          <ac:chgData name="Edward Firmo" userId="a172d909a3b48d48" providerId="LiveId" clId="{65DCA9AB-23CC-4005-B2E1-B3F15F4F7245}" dt="2024-07-12T08:53:22.716" v="9" actId="207"/>
+          <ac:spMkLst>
+            <pc:docMk/>
+            <pc:sldMk cId="182044153" sldId="262"/>
+            <ac:spMk id="9" creationId="{DED73328-3F31-4EB9-5967-270B6B0B7ED7}"/>
+          </ac:spMkLst>
+        </pc:spChg>
+        <pc:spChg chg="mod">
+          <ac:chgData name="Edward Firmo" userId="a172d909a3b48d48" providerId="LiveId" clId="{65DCA9AB-23CC-4005-B2E1-B3F15F4F7245}" dt="2024-07-12T08:53:22.716" v="9" actId="207"/>
+          <ac:spMkLst>
+            <pc:docMk/>
+            <pc:sldMk cId="182044153" sldId="262"/>
+            <ac:spMk id="10" creationId="{D06409C1-F888-5597-7F61-02C772BFAD8E}"/>
+          </ac:spMkLst>
+        </pc:spChg>
+      </pc:sldChg>
+      <pc:sldChg chg="addSp modSp new mod setBg">
+        <pc:chgData name="Edward Firmo" userId="a172d909a3b48d48" providerId="LiveId" clId="{65DCA9AB-23CC-4005-B2E1-B3F15F4F7245}" dt="2024-07-09T07:44:23.525" v="5" actId="1076"/>
+        <pc:sldMkLst>
+          <pc:docMk/>
+          <pc:sldMk cId="743763566" sldId="264"/>
+        </pc:sldMkLst>
+        <pc:spChg chg="add mod">
+          <ac:chgData name="Edward Firmo" userId="a172d909a3b48d48" providerId="LiveId" clId="{65DCA9AB-23CC-4005-B2E1-B3F15F4F7245}" dt="2024-07-09T07:44:06.852" v="3"/>
+          <ac:spMkLst>
+            <pc:docMk/>
+            <pc:sldMk cId="743763566" sldId="264"/>
+            <ac:spMk id="4" creationId="{9688F5F4-EF8E-A342-C670-E6D4A643A2A3}"/>
+          </ac:spMkLst>
+        </pc:spChg>
+        <pc:picChg chg="add mod">
+          <ac:chgData name="Edward Firmo" userId="a172d909a3b48d48" providerId="LiveId" clId="{65DCA9AB-23CC-4005-B2E1-B3F15F4F7245}" dt="2024-07-09T07:44:18.305" v="4" actId="1076"/>
+          <ac:picMkLst>
+            <pc:docMk/>
+            <pc:sldMk cId="743763566" sldId="264"/>
+            <ac:picMk id="2" creationId="{7DC7E49D-4499-20CF-84C9-2787B84CE9AE}"/>
+          </ac:picMkLst>
+        </pc:picChg>
+        <pc:picChg chg="add mod">
+          <ac:chgData name="Edward Firmo" userId="a172d909a3b48d48" providerId="LiveId" clId="{65DCA9AB-23CC-4005-B2E1-B3F15F4F7245}" dt="2024-07-09T07:44:23.525" v="5" actId="1076"/>
+          <ac:picMkLst>
+            <pc:docMk/>
+            <pc:sldMk cId="743763566" sldId="264"/>
+            <ac:picMk id="3" creationId="{57559D3C-57E8-AFF5-CFC1-E18F3E71A251}"/>
+          </ac:picMkLst>
+        </pc:picChg>
+      </pc:sldChg>
+    </pc:docChg>
+  </pc:docChgLst>
   <pc:docChgLst>
     <pc:chgData name="Edward Firmo" userId="a172d909a3b48d48" providerId="LiveId" clId="{FD80C778-99A6-48B0-9013-6975E1DA3DE2}"/>
     <pc:docChg chg="undo custSel addSld delSld modSld">
@@ -500,7 +683,7 @@
           <a:p>
             <a:fld id="{024B8AE9-66EA-4D6A-A8A7-9C9BEADD6B50}" type="datetimeFigureOut">
               <a:rPr lang="en-SE" smtClean="0"/>
-              <a:t>2024-01-20</a:t>
+              <a:t>2024-07-12</a:t>
             </a:fld>
             <a:endParaRPr lang="en-SE"/>
           </a:p>
@@ -670,7 +853,7 @@
           <a:p>
             <a:fld id="{024B8AE9-66EA-4D6A-A8A7-9C9BEADD6B50}" type="datetimeFigureOut">
               <a:rPr lang="en-SE" smtClean="0"/>
-              <a:t>2024-01-20</a:t>
+              <a:t>2024-07-12</a:t>
             </a:fld>
             <a:endParaRPr lang="en-SE"/>
           </a:p>
@@ -850,7 +1033,7 @@
           <a:p>
             <a:fld id="{024B8AE9-66EA-4D6A-A8A7-9C9BEADD6B50}" type="datetimeFigureOut">
               <a:rPr lang="en-SE" smtClean="0"/>
-              <a:t>2024-01-20</a:t>
+              <a:t>2024-07-12</a:t>
             </a:fld>
             <a:endParaRPr lang="en-SE"/>
           </a:p>
@@ -1020,7 +1203,7 @@
           <a:p>
             <a:fld id="{024B8AE9-66EA-4D6A-A8A7-9C9BEADD6B50}" type="datetimeFigureOut">
               <a:rPr lang="en-SE" smtClean="0"/>
-              <a:t>2024-01-20</a:t>
+              <a:t>2024-07-12</a:t>
             </a:fld>
             <a:endParaRPr lang="en-SE"/>
           </a:p>
@@ -1264,7 +1447,7 @@
           <a:p>
             <a:fld id="{024B8AE9-66EA-4D6A-A8A7-9C9BEADD6B50}" type="datetimeFigureOut">
               <a:rPr lang="en-SE" smtClean="0"/>
-              <a:t>2024-01-20</a:t>
+              <a:t>2024-07-12</a:t>
             </a:fld>
             <a:endParaRPr lang="en-SE"/>
           </a:p>
@@ -1496,7 +1679,7 @@
           <a:p>
             <a:fld id="{024B8AE9-66EA-4D6A-A8A7-9C9BEADD6B50}" type="datetimeFigureOut">
               <a:rPr lang="en-SE" smtClean="0"/>
-              <a:t>2024-01-20</a:t>
+              <a:t>2024-07-12</a:t>
             </a:fld>
             <a:endParaRPr lang="en-SE"/>
           </a:p>
@@ -1863,7 +2046,7 @@
           <a:p>
             <a:fld id="{024B8AE9-66EA-4D6A-A8A7-9C9BEADD6B50}" type="datetimeFigureOut">
               <a:rPr lang="en-SE" smtClean="0"/>
-              <a:t>2024-01-20</a:t>
+              <a:t>2024-07-12</a:t>
             </a:fld>
             <a:endParaRPr lang="en-SE"/>
           </a:p>
@@ -1981,7 +2164,7 @@
           <a:p>
             <a:fld id="{024B8AE9-66EA-4D6A-A8A7-9C9BEADD6B50}" type="datetimeFigureOut">
               <a:rPr lang="en-SE" smtClean="0"/>
-              <a:t>2024-01-20</a:t>
+              <a:t>2024-07-12</a:t>
             </a:fld>
             <a:endParaRPr lang="en-SE"/>
           </a:p>
@@ -2076,7 +2259,7 @@
           <a:p>
             <a:fld id="{024B8AE9-66EA-4D6A-A8A7-9C9BEADD6B50}" type="datetimeFigureOut">
               <a:rPr lang="en-SE" smtClean="0"/>
-              <a:t>2024-01-20</a:t>
+              <a:t>2024-07-12</a:t>
             </a:fld>
             <a:endParaRPr lang="en-SE"/>
           </a:p>
@@ -2353,7 +2536,7 @@
           <a:p>
             <a:fld id="{024B8AE9-66EA-4D6A-A8A7-9C9BEADD6B50}" type="datetimeFigureOut">
               <a:rPr lang="en-SE" smtClean="0"/>
-              <a:t>2024-01-20</a:t>
+              <a:t>2024-07-12</a:t>
             </a:fld>
             <a:endParaRPr lang="en-SE"/>
           </a:p>
@@ -2610,7 +2793,7 @@
           <a:p>
             <a:fld id="{024B8AE9-66EA-4D6A-A8A7-9C9BEADD6B50}" type="datetimeFigureOut">
               <a:rPr lang="en-SE" smtClean="0"/>
-              <a:t>2024-01-20</a:t>
+              <a:t>2024-07-12</a:t>
             </a:fld>
             <a:endParaRPr lang="en-SE"/>
           </a:p>
@@ -2823,7 +3006,7 @@
           <a:p>
             <a:fld id="{024B8AE9-66EA-4D6A-A8A7-9C9BEADD6B50}" type="datetimeFigureOut">
               <a:rPr lang="en-SE" smtClean="0"/>
-              <a:t>2024-01-20</a:t>
+              <a:t>2024-07-12</a:t>
             </a:fld>
             <a:endParaRPr lang="en-SE"/>
           </a:p>
@@ -3535,7 +3718,9 @@
             <a:avLst/>
           </a:prstGeom>
           <a:solidFill>
-            <a:srgbClr val="2C2C2C"/>
+            <a:srgbClr val="2C2C2C">
+              <a:alpha val="85000"/>
+            </a:srgbClr>
           </a:solidFill>
           <a:ln>
             <a:noFill/>
@@ -3587,7 +3772,9 @@
             <a:avLst/>
           </a:prstGeom>
           <a:solidFill>
-            <a:srgbClr val="2C2C2C"/>
+            <a:srgbClr val="2C2C2C">
+              <a:alpha val="85000"/>
+            </a:srgbClr>
           </a:solidFill>
           <a:ln>
             <a:noFill/>
@@ -3639,7 +3826,9 @@
             <a:avLst/>
           </a:prstGeom>
           <a:solidFill>
-            <a:srgbClr val="2C2C2C"/>
+            <a:srgbClr val="2C2C2C">
+              <a:alpha val="85000"/>
+            </a:srgbClr>
           </a:solidFill>
           <a:ln>
             <a:noFill/>
@@ -3691,7 +3880,9 @@
             <a:avLst/>
           </a:prstGeom>
           <a:solidFill>
-            <a:srgbClr val="2C2C2C"/>
+            <a:srgbClr val="2C2C2C">
+              <a:alpha val="85000"/>
+            </a:srgbClr>
           </a:solidFill>
           <a:ln>
             <a:noFill/>
@@ -3743,7 +3934,9 @@
             <a:avLst/>
           </a:prstGeom>
           <a:solidFill>
-            <a:srgbClr val="2C2C2C"/>
+            <a:srgbClr val="2C2C2C">
+              <a:alpha val="85000"/>
+            </a:srgbClr>
           </a:solidFill>
           <a:ln>
             <a:noFill/>
@@ -3795,7 +3988,9 @@
             <a:avLst/>
           </a:prstGeom>
           <a:solidFill>
-            <a:srgbClr val="2C2C2C"/>
+            <a:srgbClr val="2C2C2C">
+              <a:alpha val="85000"/>
+            </a:srgbClr>
           </a:solidFill>
           <a:ln>
             <a:noFill/>
@@ -3847,7 +4042,9 @@
             <a:avLst/>
           </a:prstGeom>
           <a:solidFill>
-            <a:srgbClr val="2C2C2C"/>
+            <a:srgbClr val="2C2C2C">
+              <a:alpha val="85000"/>
+            </a:srgbClr>
           </a:solidFill>
           <a:ln>
             <a:noFill/>
@@ -3899,7 +4096,9 @@
             <a:avLst/>
           </a:prstGeom>
           <a:solidFill>
-            <a:srgbClr val="2C2C2C"/>
+            <a:srgbClr val="2C2C2C">
+              <a:alpha val="85000"/>
+            </a:srgbClr>
           </a:solidFill>
           <a:ln>
             <a:noFill/>
@@ -4017,7 +4216,9 @@
             <a:avLst/>
           </a:prstGeom>
           <a:solidFill>
-            <a:srgbClr val="FFFFFF"/>
+            <a:srgbClr val="FFFFFF">
+              <a:alpha val="85000"/>
+            </a:srgbClr>
           </a:solidFill>
           <a:ln>
             <a:noFill/>
@@ -4069,7 +4270,9 @@
             <a:avLst/>
           </a:prstGeom>
           <a:solidFill>
-            <a:srgbClr val="FFFFFF"/>
+            <a:srgbClr val="FFFFFF">
+              <a:alpha val="85000"/>
+            </a:srgbClr>
           </a:solidFill>
           <a:ln>
             <a:noFill/>
@@ -4121,7 +4324,9 @@
             <a:avLst/>
           </a:prstGeom>
           <a:solidFill>
-            <a:srgbClr val="FFFFFF"/>
+            <a:srgbClr val="FFFFFF">
+              <a:alpha val="85000"/>
+            </a:srgbClr>
           </a:solidFill>
           <a:ln>
             <a:noFill/>
@@ -4173,7 +4378,9 @@
             <a:avLst/>
           </a:prstGeom>
           <a:solidFill>
-            <a:srgbClr val="FFFFFF"/>
+            <a:srgbClr val="FFFFFF">
+              <a:alpha val="85000"/>
+            </a:srgbClr>
           </a:solidFill>
           <a:ln>
             <a:noFill/>
@@ -4225,7 +4432,9 @@
             <a:avLst/>
           </a:prstGeom>
           <a:solidFill>
-            <a:srgbClr val="FFFFFF"/>
+            <a:srgbClr val="FFFFFF">
+              <a:alpha val="85000"/>
+            </a:srgbClr>
           </a:solidFill>
           <a:ln>
             <a:noFill/>
@@ -4277,7 +4486,9 @@
             <a:avLst/>
           </a:prstGeom>
           <a:solidFill>
-            <a:srgbClr val="FFFFFF"/>
+            <a:srgbClr val="FFFFFF">
+              <a:alpha val="85000"/>
+            </a:srgbClr>
           </a:solidFill>
           <a:ln>
             <a:noFill/>
@@ -4329,7 +4540,9 @@
             <a:avLst/>
           </a:prstGeom>
           <a:solidFill>
-            <a:srgbClr val="FFFFFF"/>
+            <a:srgbClr val="FFFFFF">
+              <a:alpha val="85000"/>
+            </a:srgbClr>
           </a:solidFill>
           <a:ln>
             <a:noFill/>
@@ -4381,7 +4594,9 @@
             <a:avLst/>
           </a:prstGeom>
           <a:solidFill>
-            <a:srgbClr val="FFFFFF"/>
+            <a:srgbClr val="FFFFFF">
+              <a:alpha val="85000"/>
+            </a:srgbClr>
           </a:solidFill>
           <a:ln>
             <a:noFill/>
@@ -4416,6 +4631,155 @@
     <p:extLst>
       <p:ext uri="{BB962C8B-B14F-4D97-AF65-F5344CB8AC3E}">
         <p14:creationId xmlns:p14="http://schemas.microsoft.com/office/powerpoint/2010/main" val="182044153"/>
+      </p:ext>
+    </p:extLst>
+  </p:cSld>
+  <p:clrMapOvr>
+    <a:masterClrMapping/>
+  </p:clrMapOvr>
+</p:sld>
+</file>
+
+<file path=ppt/slides/slide5.xml><?xml version="1.0" encoding="utf-8"?>
+<p:sld xmlns:a="http://schemas.openxmlformats.org/drawingml/2006/main" xmlns:r="http://schemas.openxmlformats.org/officeDocument/2006/relationships" xmlns:p="http://schemas.openxmlformats.org/presentationml/2006/main">
+  <p:cSld>
+    <p:bg>
+      <p:bgPr>
+        <a:solidFill>
+          <a:srgbClr val="4682B4"/>
+        </a:solidFill>
+        <a:effectLst/>
+      </p:bgPr>
+    </p:bg>
+    <p:spTree>
+      <p:nvGrpSpPr>
+        <p:cNvPr id="1" name=""/>
+        <p:cNvGrpSpPr/>
+        <p:nvPr/>
+      </p:nvGrpSpPr>
+      <p:grpSpPr>
+        <a:xfrm>
+          <a:off x="0" y="0"/>
+          <a:ext cx="0" cy="0"/>
+          <a:chOff x="0" y="0"/>
+          <a:chExt cx="0" cy="0"/>
+        </a:xfrm>
+      </p:grpSpPr>
+      <p:pic>
+        <p:nvPicPr>
+          <p:cNvPr id="2" name="Picture 1" descr="A black background with white letters&#10;&#10;Description automatically generated">
+            <a:extLst>
+              <a:ext uri="{FF2B5EF4-FFF2-40B4-BE49-F238E27FC236}">
+                <a16:creationId xmlns:a16="http://schemas.microsoft.com/office/drawing/2014/main" id="{7DC7E49D-4499-20CF-84C9-2787B84CE9AE}"/>
+              </a:ext>
+            </a:extLst>
+          </p:cNvPr>
+          <p:cNvPicPr>
+            <a:picLocks noChangeAspect="1"/>
+          </p:cNvPicPr>
+          <p:nvPr/>
+        </p:nvPicPr>
+        <p:blipFill>
+          <a:blip r:embed="rId2">
+            <a:extLst>
+              <a:ext uri="{28A0092B-C50C-407E-A947-70E740481C1C}">
+                <a14:useLocalDpi xmlns:a14="http://schemas.microsoft.com/office/drawing/2010/main" val="0"/>
+              </a:ext>
+            </a:extLst>
+          </a:blip>
+          <a:stretch>
+            <a:fillRect/>
+          </a:stretch>
+        </p:blipFill>
+        <p:spPr>
+          <a:xfrm>
+            <a:off x="84280" y="4259083"/>
+            <a:ext cx="1531302" cy="216000"/>
+          </a:xfrm>
+          <a:prstGeom prst="rect">
+            <a:avLst/>
+          </a:prstGeom>
+        </p:spPr>
+      </p:pic>
+      <p:pic>
+        <p:nvPicPr>
+          <p:cNvPr id="3" name="Graphic 2">
+            <a:extLst>
+              <a:ext uri="{FF2B5EF4-FFF2-40B4-BE49-F238E27FC236}">
+                <a16:creationId xmlns:a16="http://schemas.microsoft.com/office/drawing/2014/main" id="{57559D3C-57E8-AFF5-CFC1-E18F3E71A251}"/>
+              </a:ext>
+            </a:extLst>
+          </p:cNvPr>
+          <p:cNvPicPr>
+            <a:picLocks noChangeAspect="1"/>
+          </p:cNvPicPr>
+          <p:nvPr/>
+        </p:nvPicPr>
+        <p:blipFill>
+          <a:blip r:embed="rId3">
+            <a:extLst>
+              <a:ext uri="{96DAC541-7B7A-43D3-8B79-37D633B846F1}">
+                <asvg:svgBlip xmlns:asvg="http://schemas.microsoft.com/office/drawing/2016/SVG/main" r:embed="rId4"/>
+              </a:ext>
+            </a:extLst>
+          </a:blip>
+          <a:stretch>
+            <a:fillRect/>
+          </a:stretch>
+        </p:blipFill>
+        <p:spPr>
+          <a:xfrm>
+            <a:off x="1861565" y="4259083"/>
+            <a:ext cx="1102155" cy="216000"/>
+          </a:xfrm>
+          <a:prstGeom prst="rect">
+            <a:avLst/>
+          </a:prstGeom>
+        </p:spPr>
+      </p:pic>
+      <p:sp>
+        <p:nvSpPr>
+          <p:cNvPr id="4" name="TextBox 3">
+            <a:extLst>
+              <a:ext uri="{FF2B5EF4-FFF2-40B4-BE49-F238E27FC236}">
+                <a16:creationId xmlns:a16="http://schemas.microsoft.com/office/drawing/2014/main" id="{9688F5F4-EF8E-A342-C670-E6D4A643A2A3}"/>
+              </a:ext>
+            </a:extLst>
+          </p:cNvPr>
+          <p:cNvSpPr txBox="1"/>
+          <p:nvPr/>
+        </p:nvSpPr>
+        <p:spPr>
+          <a:xfrm>
+            <a:off x="84280" y="96917"/>
+            <a:ext cx="1311578" cy="369332"/>
+          </a:xfrm>
+          <a:prstGeom prst="rect">
+            <a:avLst/>
+          </a:prstGeom>
+          <a:noFill/>
+        </p:spPr>
+        <p:txBody>
+          <a:bodyPr wrap="none" rtlCol="0">
+            <a:spAutoFit/>
+          </a:bodyPr>
+          <a:lstStyle/>
+          <a:p>
+            <a:r>
+              <a:rPr lang="en-GB" dirty="0">
+                <a:solidFill>
+                  <a:srgbClr val="F2F4F9"/>
+                </a:solidFill>
+              </a:rPr>
+              <a:t>Initializing…</a:t>
+            </a:r>
+          </a:p>
+        </p:txBody>
+      </p:sp>
+    </p:spTree>
+    <p:extLst>
+      <p:ext uri="{BB962C8B-B14F-4D97-AF65-F5344CB8AC3E}">
+        <p14:creationId xmlns:p14="http://schemas.microsoft.com/office/powerpoint/2010/main" val="743763566"/>
       </p:ext>
     </p:extLst>
   </p:cSld>
